--- a/lessons/Presentation-1-1-2-Event-Operations-and-Properties.pptx
+++ b/lessons/Presentation-1-1-2-Event-Operations-and-Properties.pptx
@@ -120,7 +120,6 @@
       </a:defRPr>
     </a:lvl9pPr>
   </p:defaultTextStyle>
-  <p:modifyVerifier cryptProviderType="rsaAES" cryptAlgorithmClass="hash" cryptAlgorithmType="typeAny" cryptAlgorithmSid="14" spinCount="100000" saltData="FKRE22jX+blHGf910IscvQ==" hashData="CWozJsv0Vmcq9cXnuByLokPkcWyrZSiDTuL/LEZyfUhCONKk7bemYtDEqWT77/1w3opK0oEgww3IaFowfDMXiA=="/>
   <p:extLst>
     <p:ext uri="{EFAFB233-063F-42B5-8137-9DF3F51BA10A}">
       <p15:sldGuideLst xmlns:p15="http://schemas.microsoft.com/office/powerpoint/2012/main"/>
@@ -219,7 +218,7 @@
           <a:p>
             <a:fld id="{9418EEB3-6E95-4294-BCBD-343443EE35B9}" type="datetimeFigureOut">
               <a:rPr lang="en-US" smtClean="0"/>
-              <a:t>2/23/2020</a:t>
+              <a:t>2/29/2020</a:t>
             </a:fld>
             <a:endParaRPr lang="en-US"/>
           </a:p>
@@ -1810,7 +1809,7 @@
           <a:p>
             <a:fld id="{258EDDFD-2390-4151-A345-D750958F3844}" type="datetime1">
               <a:rPr lang="en-US" smtClean="0"/>
-              <a:t>2/23/2020</a:t>
+              <a:t>2/29/2020</a:t>
             </a:fld>
             <a:endParaRPr lang="en-US"/>
           </a:p>
@@ -2108,7 +2107,7 @@
           <a:p>
             <a:fld id="{6440B1B3-7B2C-4824-A3C2-9F13643D8D36}" type="datetime1">
               <a:rPr lang="en-US" smtClean="0"/>
-              <a:t>2/23/2020</a:t>
+              <a:t>2/29/2020</a:t>
             </a:fld>
             <a:endParaRPr lang="en-US"/>
           </a:p>
@@ -2300,7 +2299,7 @@
           <a:p>
             <a:fld id="{66DAE304-652B-44C1-A68D-CB99531ADC45}" type="datetime1">
               <a:rPr lang="en-US" smtClean="0"/>
-              <a:t>2/23/2020</a:t>
+              <a:t>2/29/2020</a:t>
             </a:fld>
             <a:endParaRPr lang="en-US"/>
           </a:p>
@@ -2561,7 +2560,7 @@
           <a:p>
             <a:fld id="{4B3AF7E7-B93D-45B7-A901-B4F4C187B543}" type="datetime1">
               <a:rPr lang="en-US" smtClean="0"/>
-              <a:t>2/23/2020</a:t>
+              <a:t>2/29/2020</a:t>
             </a:fld>
             <a:endParaRPr lang="en-US"/>
           </a:p>
@@ -2985,7 +2984,7 @@
           <a:p>
             <a:fld id="{E555F4FC-67EE-4E82-9D5B-283D243F4380}" type="datetime1">
               <a:rPr lang="en-US" smtClean="0"/>
-              <a:t>2/23/2020</a:t>
+              <a:t>2/29/2020</a:t>
             </a:fld>
             <a:endParaRPr lang="en-US"/>
           </a:p>
@@ -3522,7 +3521,7 @@
           <a:p>
             <a:fld id="{825BCEC5-28E7-486C-B1D6-D77375720A72}" type="datetime1">
               <a:rPr lang="en-US" smtClean="0"/>
-              <a:t>2/23/2020</a:t>
+              <a:t>2/29/2020</a:t>
             </a:fld>
             <a:endParaRPr lang="en-US"/>
           </a:p>
@@ -4386,7 +4385,7 @@
           <a:p>
             <a:fld id="{1D2B9895-A901-4C8B-A857-4880C03F39E3}" type="datetime1">
               <a:rPr lang="en-US" smtClean="0"/>
-              <a:t>2/23/2020</a:t>
+              <a:t>2/29/2020</a:t>
             </a:fld>
             <a:endParaRPr lang="en-US"/>
           </a:p>
@@ -4556,7 +4555,7 @@
           <a:p>
             <a:fld id="{1E9C6C59-780B-456B-8C24-0ED78E0CF9AA}" type="datetime1">
               <a:rPr lang="en-US" smtClean="0"/>
-              <a:t>2/23/2020</a:t>
+              <a:t>2/29/2020</a:t>
             </a:fld>
             <a:endParaRPr lang="en-US"/>
           </a:p>
@@ -4740,7 +4739,7 @@
           <a:p>
             <a:fld id="{1946DA3D-8501-4B50-A515-55C53C83B0A4}" type="datetime1">
               <a:rPr lang="en-US" smtClean="0"/>
-              <a:t>2/23/2020</a:t>
+              <a:t>2/29/2020</a:t>
             </a:fld>
             <a:endParaRPr lang="en-US"/>
           </a:p>
@@ -4910,7 +4909,7 @@
           <a:p>
             <a:fld id="{6ADD9290-F3A2-4978-AE56-9622070265D9}" type="datetime1">
               <a:rPr lang="en-US" smtClean="0"/>
-              <a:t>2/23/2020</a:t>
+              <a:t>2/29/2020</a:t>
             </a:fld>
             <a:endParaRPr lang="en-US"/>
           </a:p>
@@ -5154,7 +5153,7 @@
           <a:p>
             <a:fld id="{90D2649F-7B6D-4137-9AC3-55318B5EA3F4}" type="datetime1">
               <a:rPr lang="en-US" smtClean="0"/>
-              <a:t>2/23/2020</a:t>
+              <a:t>2/29/2020</a:t>
             </a:fld>
             <a:endParaRPr lang="en-US"/>
           </a:p>
@@ -5390,7 +5389,7 @@
           <a:p>
             <a:fld id="{F266AEEC-CCA2-4FAB-8C18-779D0784A838}" type="datetime1">
               <a:rPr lang="en-US" smtClean="0"/>
-              <a:t>2/23/2020</a:t>
+              <a:t>2/29/2020</a:t>
             </a:fld>
             <a:endParaRPr lang="en-US"/>
           </a:p>
@@ -5856,7 +5855,7 @@
           <a:p>
             <a:fld id="{F2F2B4ED-3446-44D0-AFB4-54251FB7713A}" type="datetime1">
               <a:rPr lang="en-US" smtClean="0"/>
-              <a:t>2/23/2020</a:t>
+              <a:t>2/29/2020</a:t>
             </a:fld>
             <a:endParaRPr lang="en-US"/>
           </a:p>
@@ -5974,7 +5973,7 @@
           <a:p>
             <a:fld id="{DCB6A80A-C658-47FC-856C-1F3EBA14B2D4}" type="datetime1">
               <a:rPr lang="en-US" smtClean="0"/>
-              <a:t>2/23/2020</a:t>
+              <a:t>2/29/2020</a:t>
             </a:fld>
             <a:endParaRPr lang="en-US"/>
           </a:p>
@@ -6069,7 +6068,7 @@
           <a:p>
             <a:fld id="{950A8698-9E90-4B2A-B677-AB0B06125038}" type="datetime1">
               <a:rPr lang="en-US" smtClean="0"/>
-              <a:t>2/23/2020</a:t>
+              <a:t>2/29/2020</a:t>
             </a:fld>
             <a:endParaRPr lang="en-US"/>
           </a:p>
@@ -6324,7 +6323,7 @@
           <a:p>
             <a:fld id="{FFA26DE5-7980-4379-A977-CD4324E5E1F0}" type="datetime1">
               <a:rPr lang="en-US" smtClean="0"/>
-              <a:t>2/23/2020</a:t>
+              <a:t>2/29/2020</a:t>
             </a:fld>
             <a:endParaRPr lang="en-US"/>
           </a:p>
@@ -6624,7 +6623,7 @@
           <a:p>
             <a:fld id="{D66758AB-8723-4707-B24E-1CAEF74ABBF2}" type="datetime1">
               <a:rPr lang="en-US" smtClean="0"/>
-              <a:t>2/23/2020</a:t>
+              <a:t>2/29/2020</a:t>
             </a:fld>
             <a:endParaRPr lang="en-US"/>
           </a:p>
@@ -6910,7 +6909,7 @@
           <a:p>
             <a:fld id="{B064FDC1-0073-4BD3-98BC-639564FBDF2E}" type="datetime1">
               <a:rPr lang="en-US" smtClean="0"/>
-              <a:t>2/23/2020</a:t>
+              <a:t>2/29/2020</a:t>
             </a:fld>
             <a:endParaRPr lang="en-US"/>
           </a:p>
